--- a/assets/Slides (2024)/pptx/1-cleancode.pptx
+++ b/assets/Slides (2024)/pptx/1-cleancode.pptx
@@ -12,6 +12,12 @@
     <p:sldId id="261" r:id="rId6"/>
     <p:sldId id="262" r:id="rId7"/>
     <p:sldId id="263" r:id="rId8"/>
+    <p:sldId id="264" r:id="rId9"/>
+    <p:sldId id="265" r:id="rId10"/>
+    <p:sldId id="266" r:id="rId11"/>
+    <p:sldId id="267" r:id="rId12"/>
+    <p:sldId id="268" r:id="rId13"/>
+    <p:sldId id="269" r:id="rId14"/>
   </p:sldIdLst>
   <p:sldSz cx="12192000" cy="6858000"/>
   <p:notesSz cx="6858000" cy="9144000"/>
@@ -3033,6 +3039,400 @@
 </p:sld>
 </file>
 
+<file path=ppt/slides/slide10.xml><?xml version="1.0" encoding="utf-8"?>
+<p:sld xmlns:a="http://schemas.openxmlformats.org/drawingml/2006/main" xmlns:r="http://schemas.openxmlformats.org/officeDocument/2006/relationships" xmlns:p="http://schemas.openxmlformats.org/presentationml/2006/main">
+  <p:cSld>
+    <p:spTree>
+      <p:nvGrpSpPr>
+        <p:cNvPr id="1" name="">
+          <a:extLst>
+            <a:ext uri="{FF2B5EF4-FFF2-40B4-BE49-F238E27FC236}">
+              <a16:creationId xmlns:a16="http://schemas.microsoft.com/office/drawing/2014/main" id="{A5645EB1-060A-DFE5-315E-69ECC6DC4DB9}"/>
+            </a:ext>
+          </a:extLst>
+        </p:cNvPr>
+        <p:cNvGrpSpPr/>
+        <p:nvPr/>
+      </p:nvGrpSpPr>
+      <p:grpSpPr>
+        <a:xfrm>
+          <a:off x="0" y="0"/>
+          <a:ext cx="0" cy="0"/>
+          <a:chOff x="0" y="0"/>
+          <a:chExt cx="0" cy="0"/>
+        </a:xfrm>
+      </p:grpSpPr>
+      <p:sp>
+        <p:nvSpPr>
+          <p:cNvPr id="4" name="Title 3">
+            <a:extLst>
+              <a:ext uri="{FF2B5EF4-FFF2-40B4-BE49-F238E27FC236}">
+                <a16:creationId xmlns:a16="http://schemas.microsoft.com/office/drawing/2014/main" id="{B91A805E-099F-BB33-FA2D-8032DF4DC438}"/>
+              </a:ext>
+            </a:extLst>
+          </p:cNvPr>
+          <p:cNvSpPr>
+            <a:spLocks noGrp="1"/>
+          </p:cNvSpPr>
+          <p:nvPr>
+            <p:ph type="title"/>
+          </p:nvPr>
+        </p:nvSpPr>
+        <p:spPr/>
+        <p:txBody>
+          <a:bodyPr/>
+          <a:lstStyle/>
+          <a:p>
+            <a:r>
+              <a:rPr lang="sv-SE" dirty="0"/>
+              <a:t>Skillnad mellan TDD och BDD</a:t>
+            </a:r>
+            <a:endParaRPr lang="en-SE" dirty="0"/>
+          </a:p>
+        </p:txBody>
+      </p:sp>
+      <p:sp>
+        <p:nvSpPr>
+          <p:cNvPr id="5" name="Content Placeholder 4">
+            <a:extLst>
+              <a:ext uri="{FF2B5EF4-FFF2-40B4-BE49-F238E27FC236}">
+                <a16:creationId xmlns:a16="http://schemas.microsoft.com/office/drawing/2014/main" id="{2B82C46D-BAD0-87EB-B68F-E9EB03A7A971}"/>
+              </a:ext>
+            </a:extLst>
+          </p:cNvPr>
+          <p:cNvSpPr>
+            <a:spLocks noGrp="1"/>
+          </p:cNvSpPr>
+          <p:nvPr>
+            <p:ph idx="1"/>
+          </p:nvPr>
+        </p:nvSpPr>
+        <p:spPr/>
+        <p:txBody>
+          <a:bodyPr/>
+          <a:lstStyle/>
+          <a:p>
+            <a:pPr marL="0" indent="0">
+              <a:buNone/>
+            </a:pPr>
+            <a:r>
+              <a:rPr lang="sv-SE" dirty="0">
+                <a:hlinkClick r:id="rId2"/>
+              </a:rPr>
+              <a:t>https://github.com/z3ph1/CleanCode-NET23/tree/master/assets/Slides%20(2024)/pdf/6-diff-tdd-bdd.pdf</a:t>
+            </a:r>
+            <a:endParaRPr lang="sv-SE" dirty="0"/>
+          </a:p>
+        </p:txBody>
+      </p:sp>
+    </p:spTree>
+    <p:extLst>
+      <p:ext uri="{BB962C8B-B14F-4D97-AF65-F5344CB8AC3E}">
+        <p14:creationId xmlns:p14="http://schemas.microsoft.com/office/powerpoint/2010/main" val="3983428025"/>
+      </p:ext>
+    </p:extLst>
+  </p:cSld>
+  <p:clrMapOvr>
+    <a:masterClrMapping/>
+  </p:clrMapOvr>
+</p:sld>
+</file>
+
+<file path=ppt/slides/slide11.xml><?xml version="1.0" encoding="utf-8"?>
+<p:sld xmlns:a="http://schemas.openxmlformats.org/drawingml/2006/main" xmlns:r="http://schemas.openxmlformats.org/officeDocument/2006/relationships" xmlns:p="http://schemas.openxmlformats.org/presentationml/2006/main">
+  <p:cSld>
+    <p:spTree>
+      <p:nvGrpSpPr>
+        <p:cNvPr id="1" name="">
+          <a:extLst>
+            <a:ext uri="{FF2B5EF4-FFF2-40B4-BE49-F238E27FC236}">
+              <a16:creationId xmlns:a16="http://schemas.microsoft.com/office/drawing/2014/main" id="{D82D4D06-962E-96F4-124B-9FA6D660E0B2}"/>
+            </a:ext>
+          </a:extLst>
+        </p:cNvPr>
+        <p:cNvGrpSpPr/>
+        <p:nvPr/>
+      </p:nvGrpSpPr>
+      <p:grpSpPr>
+        <a:xfrm>
+          <a:off x="0" y="0"/>
+          <a:ext cx="0" cy="0"/>
+          <a:chOff x="0" y="0"/>
+          <a:chExt cx="0" cy="0"/>
+        </a:xfrm>
+      </p:grpSpPr>
+      <p:sp>
+        <p:nvSpPr>
+          <p:cNvPr id="4" name="Title 3">
+            <a:extLst>
+              <a:ext uri="{FF2B5EF4-FFF2-40B4-BE49-F238E27FC236}">
+                <a16:creationId xmlns:a16="http://schemas.microsoft.com/office/drawing/2014/main" id="{DBED939C-2334-FB34-B0DB-3E47440EBF1E}"/>
+              </a:ext>
+            </a:extLst>
+          </p:cNvPr>
+          <p:cNvSpPr>
+            <a:spLocks noGrp="1"/>
+          </p:cNvSpPr>
+          <p:nvPr>
+            <p:ph type="title"/>
+          </p:nvPr>
+        </p:nvSpPr>
+        <p:spPr/>
+        <p:txBody>
+          <a:bodyPr/>
+          <a:lstStyle/>
+          <a:p>
+            <a:r>
+              <a:rPr lang="sv-SE" dirty="0"/>
+              <a:t>Design Patterns</a:t>
+            </a:r>
+            <a:endParaRPr lang="en-SE" dirty="0"/>
+          </a:p>
+        </p:txBody>
+      </p:sp>
+      <p:sp>
+        <p:nvSpPr>
+          <p:cNvPr id="5" name="Content Placeholder 4">
+            <a:extLst>
+              <a:ext uri="{FF2B5EF4-FFF2-40B4-BE49-F238E27FC236}">
+                <a16:creationId xmlns:a16="http://schemas.microsoft.com/office/drawing/2014/main" id="{65FC54EE-03CA-71D1-E6E6-71FA7F9980D1}"/>
+              </a:ext>
+            </a:extLst>
+          </p:cNvPr>
+          <p:cNvSpPr>
+            <a:spLocks noGrp="1"/>
+          </p:cNvSpPr>
+          <p:nvPr>
+            <p:ph idx="1"/>
+          </p:nvPr>
+        </p:nvSpPr>
+        <p:spPr/>
+        <p:txBody>
+          <a:bodyPr/>
+          <a:lstStyle/>
+          <a:p>
+            <a:pPr marL="0" indent="0">
+              <a:buNone/>
+            </a:pPr>
+            <a:r>
+              <a:rPr lang="sv-SE" dirty="0">
+                <a:hlinkClick r:id="rId2"/>
+              </a:rPr>
+              <a:t>https://github.com/z3ph1/CleanCode-NET23/tree/master/assets/Slides%20(2024)/pdf/7-design-patterns.pdf</a:t>
+            </a:r>
+            <a:endParaRPr lang="sv-SE" dirty="0"/>
+          </a:p>
+        </p:txBody>
+      </p:sp>
+    </p:spTree>
+    <p:extLst>
+      <p:ext uri="{BB962C8B-B14F-4D97-AF65-F5344CB8AC3E}">
+        <p14:creationId xmlns:p14="http://schemas.microsoft.com/office/powerpoint/2010/main" val="3085423088"/>
+      </p:ext>
+    </p:extLst>
+  </p:cSld>
+  <p:clrMapOvr>
+    <a:masterClrMapping/>
+  </p:clrMapOvr>
+</p:sld>
+</file>
+
+<file path=ppt/slides/slide12.xml><?xml version="1.0" encoding="utf-8"?>
+<p:sld xmlns:a="http://schemas.openxmlformats.org/drawingml/2006/main" xmlns:r="http://schemas.openxmlformats.org/officeDocument/2006/relationships" xmlns:p="http://schemas.openxmlformats.org/presentationml/2006/main">
+  <p:cSld>
+    <p:spTree>
+      <p:nvGrpSpPr>
+        <p:cNvPr id="1" name="">
+          <a:extLst>
+            <a:ext uri="{FF2B5EF4-FFF2-40B4-BE49-F238E27FC236}">
+              <a16:creationId xmlns:a16="http://schemas.microsoft.com/office/drawing/2014/main" id="{808C42F2-B716-B5CA-E6AB-78ADA05C3A84}"/>
+            </a:ext>
+          </a:extLst>
+        </p:cNvPr>
+        <p:cNvGrpSpPr/>
+        <p:nvPr/>
+      </p:nvGrpSpPr>
+      <p:grpSpPr>
+        <a:xfrm>
+          <a:off x="0" y="0"/>
+          <a:ext cx="0" cy="0"/>
+          <a:chOff x="0" y="0"/>
+          <a:chExt cx="0" cy="0"/>
+        </a:xfrm>
+      </p:grpSpPr>
+      <p:sp>
+        <p:nvSpPr>
+          <p:cNvPr id="4" name="Title 3">
+            <a:extLst>
+              <a:ext uri="{FF2B5EF4-FFF2-40B4-BE49-F238E27FC236}">
+                <a16:creationId xmlns:a16="http://schemas.microsoft.com/office/drawing/2014/main" id="{F8BF4A07-2492-1E2F-D5AA-A12901BA4E9B}"/>
+              </a:ext>
+            </a:extLst>
+          </p:cNvPr>
+          <p:cNvSpPr>
+            <a:spLocks noGrp="1"/>
+          </p:cNvSpPr>
+          <p:nvPr>
+            <p:ph type="title"/>
+          </p:nvPr>
+        </p:nvSpPr>
+        <p:spPr/>
+        <p:txBody>
+          <a:bodyPr/>
+          <a:lstStyle/>
+          <a:p>
+            <a:r>
+              <a:rPr lang="sv-SE" dirty="0"/>
+              <a:t>Service-Oriented Arcitecture, Microservices</a:t>
+            </a:r>
+          </a:p>
+        </p:txBody>
+      </p:sp>
+      <p:sp>
+        <p:nvSpPr>
+          <p:cNvPr id="5" name="Content Placeholder 4">
+            <a:extLst>
+              <a:ext uri="{FF2B5EF4-FFF2-40B4-BE49-F238E27FC236}">
+                <a16:creationId xmlns:a16="http://schemas.microsoft.com/office/drawing/2014/main" id="{F291DDAE-5FAB-F6E5-E733-25EF12F4FD84}"/>
+              </a:ext>
+            </a:extLst>
+          </p:cNvPr>
+          <p:cNvSpPr>
+            <a:spLocks noGrp="1"/>
+          </p:cNvSpPr>
+          <p:nvPr>
+            <p:ph idx="1"/>
+          </p:nvPr>
+        </p:nvSpPr>
+        <p:spPr/>
+        <p:txBody>
+          <a:bodyPr/>
+          <a:lstStyle/>
+          <a:p>
+            <a:pPr marL="0" indent="0">
+              <a:buNone/>
+            </a:pPr>
+            <a:r>
+              <a:rPr lang="sv-SE" dirty="0">
+                <a:hlinkClick r:id="rId2"/>
+              </a:rPr>
+              <a:t>https://github.com/z3ph1/CleanCode-NET23/tree/master/assets/Slides%20(2024)/pdf/8-soa-microservices.pdf</a:t>
+            </a:r>
+            <a:endParaRPr lang="sv-SE" dirty="0"/>
+          </a:p>
+        </p:txBody>
+      </p:sp>
+    </p:spTree>
+    <p:extLst>
+      <p:ext uri="{BB962C8B-B14F-4D97-AF65-F5344CB8AC3E}">
+        <p14:creationId xmlns:p14="http://schemas.microsoft.com/office/powerpoint/2010/main" val="926682297"/>
+      </p:ext>
+    </p:extLst>
+  </p:cSld>
+  <p:clrMapOvr>
+    <a:masterClrMapping/>
+  </p:clrMapOvr>
+</p:sld>
+</file>
+
+<file path=ppt/slides/slide13.xml><?xml version="1.0" encoding="utf-8"?>
+<p:sld xmlns:a="http://schemas.openxmlformats.org/drawingml/2006/main" xmlns:r="http://schemas.openxmlformats.org/officeDocument/2006/relationships" xmlns:p="http://schemas.openxmlformats.org/presentationml/2006/main">
+  <p:cSld>
+    <p:spTree>
+      <p:nvGrpSpPr>
+        <p:cNvPr id="1" name="">
+          <a:extLst>
+            <a:ext uri="{FF2B5EF4-FFF2-40B4-BE49-F238E27FC236}">
+              <a16:creationId xmlns:a16="http://schemas.microsoft.com/office/drawing/2014/main" id="{E3B972DE-33D9-76E9-F0E2-C0D05CBA7820}"/>
+            </a:ext>
+          </a:extLst>
+        </p:cNvPr>
+        <p:cNvGrpSpPr/>
+        <p:nvPr/>
+      </p:nvGrpSpPr>
+      <p:grpSpPr>
+        <a:xfrm>
+          <a:off x="0" y="0"/>
+          <a:ext cx="0" cy="0"/>
+          <a:chOff x="0" y="0"/>
+          <a:chExt cx="0" cy="0"/>
+        </a:xfrm>
+      </p:grpSpPr>
+      <p:sp>
+        <p:nvSpPr>
+          <p:cNvPr id="4" name="Title 3">
+            <a:extLst>
+              <a:ext uri="{FF2B5EF4-FFF2-40B4-BE49-F238E27FC236}">
+                <a16:creationId xmlns:a16="http://schemas.microsoft.com/office/drawing/2014/main" id="{DEE956AB-976F-C7C8-AAE9-58AFC312AC40}"/>
+              </a:ext>
+            </a:extLst>
+          </p:cNvPr>
+          <p:cNvSpPr>
+            <a:spLocks noGrp="1"/>
+          </p:cNvSpPr>
+          <p:nvPr>
+            <p:ph type="title"/>
+          </p:nvPr>
+        </p:nvSpPr>
+        <p:spPr/>
+        <p:txBody>
+          <a:bodyPr/>
+          <a:lstStyle/>
+          <a:p>
+            <a:r>
+              <a:rPr lang="sv-SE" dirty="0"/>
+              <a:t>Containers</a:t>
+            </a:r>
+          </a:p>
+        </p:txBody>
+      </p:sp>
+      <p:sp>
+        <p:nvSpPr>
+          <p:cNvPr id="5" name="Content Placeholder 4">
+            <a:extLst>
+              <a:ext uri="{FF2B5EF4-FFF2-40B4-BE49-F238E27FC236}">
+                <a16:creationId xmlns:a16="http://schemas.microsoft.com/office/drawing/2014/main" id="{12D3DA18-1ED0-D785-1136-22396A32E80D}"/>
+              </a:ext>
+            </a:extLst>
+          </p:cNvPr>
+          <p:cNvSpPr>
+            <a:spLocks noGrp="1"/>
+          </p:cNvSpPr>
+          <p:nvPr>
+            <p:ph idx="1"/>
+          </p:nvPr>
+        </p:nvSpPr>
+        <p:spPr/>
+        <p:txBody>
+          <a:bodyPr/>
+          <a:lstStyle/>
+          <a:p>
+            <a:pPr marL="0" indent="0">
+              <a:buNone/>
+            </a:pPr>
+            <a:r>
+              <a:rPr lang="sv-SE" dirty="0">
+                <a:hlinkClick r:id="rId2"/>
+              </a:rPr>
+              <a:t>https://github.com/z3ph1/CleanCode-NET23/tree/master/assets/Slides%20(2024)/pdf/9-containers.pdf</a:t>
+            </a:r>
+            <a:endParaRPr lang="sv-SE" dirty="0"/>
+          </a:p>
+        </p:txBody>
+      </p:sp>
+    </p:spTree>
+    <p:extLst>
+      <p:ext uri="{BB962C8B-B14F-4D97-AF65-F5344CB8AC3E}">
+        <p14:creationId xmlns:p14="http://schemas.microsoft.com/office/powerpoint/2010/main" val="3774936205"/>
+      </p:ext>
+    </p:extLst>
+  </p:cSld>
+  <p:clrMapOvr>
+    <a:masterClrMapping/>
+  </p:clrMapOvr>
+</p:sld>
+</file>
+
 <file path=ppt/slides/slide2.xml><?xml version="1.0" encoding="utf-8"?>
 <p:sld xmlns:a="http://schemas.openxmlformats.org/drawingml/2006/main" xmlns:r="http://schemas.openxmlformats.org/officeDocument/2006/relationships" xmlns:p="http://schemas.openxmlformats.org/presentationml/2006/main">
   <p:cSld>
@@ -3702,6 +4102,204 @@
     <p:extLst>
       <p:ext uri="{BB962C8B-B14F-4D97-AF65-F5344CB8AC3E}">
         <p14:creationId xmlns:p14="http://schemas.microsoft.com/office/powerpoint/2010/main" val="2183272155"/>
+      </p:ext>
+    </p:extLst>
+  </p:cSld>
+  <p:clrMapOvr>
+    <a:masterClrMapping/>
+  </p:clrMapOvr>
+</p:sld>
+</file>
+
+<file path=ppt/slides/slide8.xml><?xml version="1.0" encoding="utf-8"?>
+<p:sld xmlns:a="http://schemas.openxmlformats.org/drawingml/2006/main" xmlns:r="http://schemas.openxmlformats.org/officeDocument/2006/relationships" xmlns:p="http://schemas.openxmlformats.org/presentationml/2006/main">
+  <p:cSld>
+    <p:spTree>
+      <p:nvGrpSpPr>
+        <p:cNvPr id="1" name="">
+          <a:extLst>
+            <a:ext uri="{FF2B5EF4-FFF2-40B4-BE49-F238E27FC236}">
+              <a16:creationId xmlns:a16="http://schemas.microsoft.com/office/drawing/2014/main" id="{F7EFCF9B-93E1-6CFB-8373-6EFFA363B924}"/>
+            </a:ext>
+          </a:extLst>
+        </p:cNvPr>
+        <p:cNvGrpSpPr/>
+        <p:nvPr/>
+      </p:nvGrpSpPr>
+      <p:grpSpPr>
+        <a:xfrm>
+          <a:off x="0" y="0"/>
+          <a:ext cx="0" cy="0"/>
+          <a:chOff x="0" y="0"/>
+          <a:chExt cx="0" cy="0"/>
+        </a:xfrm>
+      </p:grpSpPr>
+      <p:sp>
+        <p:nvSpPr>
+          <p:cNvPr id="4" name="Title 3">
+            <a:extLst>
+              <a:ext uri="{FF2B5EF4-FFF2-40B4-BE49-F238E27FC236}">
+                <a16:creationId xmlns:a16="http://schemas.microsoft.com/office/drawing/2014/main" id="{0EC2140C-866C-F86C-8330-E8676D31B627}"/>
+              </a:ext>
+            </a:extLst>
+          </p:cNvPr>
+          <p:cNvSpPr>
+            <a:spLocks noGrp="1"/>
+          </p:cNvSpPr>
+          <p:nvPr>
+            <p:ph type="title"/>
+          </p:nvPr>
+        </p:nvSpPr>
+        <p:spPr/>
+        <p:txBody>
+          <a:bodyPr/>
+          <a:lstStyle/>
+          <a:p>
+            <a:r>
+              <a:rPr lang="sv-SE" dirty="0"/>
+              <a:t>Test Driven Development</a:t>
+            </a:r>
+            <a:endParaRPr lang="en-SE" dirty="0"/>
+          </a:p>
+        </p:txBody>
+      </p:sp>
+      <p:sp>
+        <p:nvSpPr>
+          <p:cNvPr id="5" name="Content Placeholder 4">
+            <a:extLst>
+              <a:ext uri="{FF2B5EF4-FFF2-40B4-BE49-F238E27FC236}">
+                <a16:creationId xmlns:a16="http://schemas.microsoft.com/office/drawing/2014/main" id="{7E2A765E-875B-9FDA-6122-911F73C73278}"/>
+              </a:ext>
+            </a:extLst>
+          </p:cNvPr>
+          <p:cNvSpPr>
+            <a:spLocks noGrp="1"/>
+          </p:cNvSpPr>
+          <p:nvPr>
+            <p:ph idx="1"/>
+          </p:nvPr>
+        </p:nvSpPr>
+        <p:spPr/>
+        <p:txBody>
+          <a:bodyPr/>
+          <a:lstStyle/>
+          <a:p>
+            <a:pPr marL="0" indent="0">
+              <a:buNone/>
+            </a:pPr>
+            <a:r>
+              <a:rPr lang="sv-SE" dirty="0">
+                <a:hlinkClick r:id="rId2"/>
+              </a:rPr>
+              <a:t>https://github.com/z3ph1/CleanCode-NET23/tree/master/assets/Slides%20(2024)/pdf/4-tdd.pdf</a:t>
+            </a:r>
+            <a:endParaRPr lang="sv-SE" dirty="0"/>
+          </a:p>
+        </p:txBody>
+      </p:sp>
+    </p:spTree>
+    <p:extLst>
+      <p:ext uri="{BB962C8B-B14F-4D97-AF65-F5344CB8AC3E}">
+        <p14:creationId xmlns:p14="http://schemas.microsoft.com/office/powerpoint/2010/main" val="1648924532"/>
+      </p:ext>
+    </p:extLst>
+  </p:cSld>
+  <p:clrMapOvr>
+    <a:masterClrMapping/>
+  </p:clrMapOvr>
+</p:sld>
+</file>
+
+<file path=ppt/slides/slide9.xml><?xml version="1.0" encoding="utf-8"?>
+<p:sld xmlns:a="http://schemas.openxmlformats.org/drawingml/2006/main" xmlns:r="http://schemas.openxmlformats.org/officeDocument/2006/relationships" xmlns:p="http://schemas.openxmlformats.org/presentationml/2006/main">
+  <p:cSld>
+    <p:spTree>
+      <p:nvGrpSpPr>
+        <p:cNvPr id="1" name="">
+          <a:extLst>
+            <a:ext uri="{FF2B5EF4-FFF2-40B4-BE49-F238E27FC236}">
+              <a16:creationId xmlns:a16="http://schemas.microsoft.com/office/drawing/2014/main" id="{0B0F891B-BEA8-B849-FACF-A224F5FBB9A6}"/>
+            </a:ext>
+          </a:extLst>
+        </p:cNvPr>
+        <p:cNvGrpSpPr/>
+        <p:nvPr/>
+      </p:nvGrpSpPr>
+      <p:grpSpPr>
+        <a:xfrm>
+          <a:off x="0" y="0"/>
+          <a:ext cx="0" cy="0"/>
+          <a:chOff x="0" y="0"/>
+          <a:chExt cx="0" cy="0"/>
+        </a:xfrm>
+      </p:grpSpPr>
+      <p:sp>
+        <p:nvSpPr>
+          <p:cNvPr id="4" name="Title 3">
+            <a:extLst>
+              <a:ext uri="{FF2B5EF4-FFF2-40B4-BE49-F238E27FC236}">
+                <a16:creationId xmlns:a16="http://schemas.microsoft.com/office/drawing/2014/main" id="{5A0800DD-4C62-E304-75A7-87A2A42DB4BA}"/>
+              </a:ext>
+            </a:extLst>
+          </p:cNvPr>
+          <p:cNvSpPr>
+            <a:spLocks noGrp="1"/>
+          </p:cNvSpPr>
+          <p:nvPr>
+            <p:ph type="title"/>
+          </p:nvPr>
+        </p:nvSpPr>
+        <p:spPr/>
+        <p:txBody>
+          <a:bodyPr/>
+          <a:lstStyle/>
+          <a:p>
+            <a:r>
+              <a:rPr lang="sv-SE" dirty="0"/>
+              <a:t>Behaviour Driven Development</a:t>
+            </a:r>
+            <a:endParaRPr lang="en-SE" dirty="0"/>
+          </a:p>
+        </p:txBody>
+      </p:sp>
+      <p:sp>
+        <p:nvSpPr>
+          <p:cNvPr id="5" name="Content Placeholder 4">
+            <a:extLst>
+              <a:ext uri="{FF2B5EF4-FFF2-40B4-BE49-F238E27FC236}">
+                <a16:creationId xmlns:a16="http://schemas.microsoft.com/office/drawing/2014/main" id="{D708B081-F59D-563E-F9B7-83A5F06855B6}"/>
+              </a:ext>
+            </a:extLst>
+          </p:cNvPr>
+          <p:cNvSpPr>
+            <a:spLocks noGrp="1"/>
+          </p:cNvSpPr>
+          <p:nvPr>
+            <p:ph idx="1"/>
+          </p:nvPr>
+        </p:nvSpPr>
+        <p:spPr/>
+        <p:txBody>
+          <a:bodyPr/>
+          <a:lstStyle/>
+          <a:p>
+            <a:pPr marL="0" indent="0">
+              <a:buNone/>
+            </a:pPr>
+            <a:r>
+              <a:rPr lang="sv-SE" dirty="0">
+                <a:hlinkClick r:id="rId2"/>
+              </a:rPr>
+              <a:t>https://github.com/z3ph1/CleanCode-NET23/tree/master/assets/Slides%20(2024)/pdf/5-bdd.pdf</a:t>
+            </a:r>
+            <a:endParaRPr lang="sv-SE" dirty="0"/>
+          </a:p>
+        </p:txBody>
+      </p:sp>
+    </p:spTree>
+    <p:extLst>
+      <p:ext uri="{BB962C8B-B14F-4D97-AF65-F5344CB8AC3E}">
+        <p14:creationId xmlns:p14="http://schemas.microsoft.com/office/powerpoint/2010/main" val="2953203375"/>
       </p:ext>
     </p:extLst>
   </p:cSld>
